--- a/Lesson09/Generics.pptx
+++ b/Lesson09/Generics.pptx
@@ -269,7 +269,7 @@
               <a:pPr>
                 <a:defRPr/>
               </a:pPr>
-              <a:t>14.08.2016</a:t>
+              <a:t>16.08.2016</a:t>
             </a:fld>
             <a:endParaRPr lang="de-DE"/>
           </a:p>
@@ -666,7 +666,7 @@
               <a:pPr>
                 <a:defRPr/>
               </a:pPr>
-              <a:t>14.08.2016</a:t>
+              <a:t>16.08.2016</a:t>
             </a:fld>
             <a:endParaRPr lang="de-DE"/>
           </a:p>
@@ -2675,7 +2675,7 @@
               <a:pPr>
                 <a:defRPr/>
               </a:pPr>
-              <a:t>14.08.2016</a:t>
+              <a:t>16.08.2016</a:t>
             </a:fld>
             <a:endParaRPr lang="de-DE"/>
           </a:p>
@@ -11431,7 +11431,43 @@
                 </a:solidFill>
                 <a:latin typeface="Courier New"/>
               </a:rPr>
-              <a:t>Что можно буедт пердавать в метод?</a:t>
+              <a:t>Что </a:t>
+            </a:r>
+            <a:r>
+              <a:rPr lang="ru-RU" smtClean="0">
+                <a:solidFill>
+                  <a:srgbClr val="000000"/>
+                </a:solidFill>
+                <a:latin typeface="Courier New"/>
+              </a:rPr>
+              <a:t>можно </a:t>
+            </a:r>
+            <a:r>
+              <a:rPr lang="ru-RU" smtClean="0">
+                <a:solidFill>
+                  <a:srgbClr val="000000"/>
+                </a:solidFill>
+                <a:latin typeface="Courier New"/>
+              </a:rPr>
+              <a:t>будет </a:t>
+            </a:r>
+            <a:r>
+              <a:rPr lang="ru-RU" dirty="0" smtClean="0">
+                <a:solidFill>
+                  <a:srgbClr val="000000"/>
+                </a:solidFill>
+                <a:latin typeface="Courier New"/>
+              </a:rPr>
+              <a:t>передавать </a:t>
+            </a:r>
+            <a:r>
+              <a:rPr lang="ru-RU" dirty="0" smtClean="0">
+                <a:solidFill>
+                  <a:srgbClr val="000000"/>
+                </a:solidFill>
+                <a:latin typeface="Courier New"/>
+              </a:rPr>
+              <a:t>в метод?</a:t>
             </a:r>
           </a:p>
           <a:p>
